--- a/SuperSmashBrosly/Documentation.pptx
+++ b/SuperSmashBrosly/Documentation.pptx
@@ -8213,7 +8213,15 @@
             </a:r>
             <a:r>
               <a:rPr lang="en-US" dirty="0"/>
-              <a:t>” script in My SQL</a:t>
+              <a:t>” and “</a:t>
+            </a:r>
+            <a:r>
+              <a:rPr lang="en-US" dirty="0" err="1"/>
+              <a:t>CreateSmashBrosLogTable</a:t>
+            </a:r>
+            <a:r>
+              <a:rPr lang="en-US" dirty="0"/>
+              <a:t>” scripts in My SQL</a:t>
             </a:r>
           </a:p>
           <a:p>
